--- a/presentation.pptx
+++ b/presentation.pptx
@@ -3109,7 +3109,7 @@
       </p:sp>
       <p:pic>
         <p:nvPicPr>
-          <p:cNvPr id="3" name="Picture 2" descr="weather-today.png"/>
+          <p:cNvPr id="3" name="Picture 2" descr="03-07-2024.png"/>
           <p:cNvPicPr>
             <a:picLocks noChangeAspect="1"/>
           </p:cNvPicPr>
@@ -3168,7 +3168,7 @@
       </p:sp>
       <p:pic>
         <p:nvPicPr>
-          <p:cNvPr id="3" name="Picture 2" descr="weather-tomorrow.png"/>
+          <p:cNvPr id="3" name="Picture 2" descr="04-07-2024.png"/>
           <p:cNvPicPr>
             <a:picLocks noChangeAspect="1"/>
           </p:cNvPicPr>
@@ -3227,7 +3227,7 @@
       </p:sp>
       <p:pic>
         <p:nvPicPr>
-          <p:cNvPr id="3" name="Picture 2" descr="fire.jpg"/>
+          <p:cNvPr id="3" name="Picture 2" descr="03-07-2024-fire.jpg"/>
           <p:cNvPicPr>
             <a:picLocks noChangeAspect="1"/>
           </p:cNvPicPr>

--- a/presentation.pptx
+++ b/presentation.pptx
@@ -3109,65 +3109,6 @@
       </p:sp>
       <p:pic>
         <p:nvPicPr>
-          <p:cNvPr id="3" name="Picture 2" descr="03-07-2024.png"/>
-          <p:cNvPicPr>
-            <a:picLocks noChangeAspect="1"/>
-          </p:cNvPicPr>
-          <p:nvPr/>
-        </p:nvPicPr>
-        <p:blipFill>
-          <a:blip r:embed="rId2"/>
-          <a:stretch>
-            <a:fillRect/>
-          </a:stretch>
-        </p:blipFill>
-        <p:spPr>
-          <a:xfrm>
-            <a:off x="0" y="0"/>
-            <a:ext cx="9144000" cy="6858000"/>
-          </a:xfrm>
-          <a:prstGeom prst="rect">
-            <a:avLst/>
-          </a:prstGeom>
-        </p:spPr>
-      </p:pic>
-    </p:spTree>
-  </p:cSld>
-  <p:clrMapOvr>
-    <a:masterClrMapping/>
-  </p:clrMapOvr>
-</p:sld>
-</file>
-
-<file path=ppt/slides/slide2.xml><?xml version="1.0" encoding="utf-8"?>
-<p:sld xmlns:a="http://schemas.openxmlformats.org/drawingml/2006/main" xmlns:p="http://schemas.openxmlformats.org/presentationml/2006/main" xmlns:r="http://schemas.openxmlformats.org/officeDocument/2006/relationships">
-  <p:cSld>
-    <p:spTree>
-      <p:nvGrpSpPr>
-        <p:cNvPr id="1" name=""/>
-        <p:cNvGrpSpPr/>
-        <p:nvPr/>
-      </p:nvGrpSpPr>
-      <p:grpSpPr/>
-      <p:sp>
-        <p:nvSpPr>
-          <p:cNvPr id="2" name="Title 1"/>
-          <p:cNvSpPr>
-            <a:spLocks noGrp="1"/>
-          </p:cNvSpPr>
-          <p:nvPr>
-            <p:ph type="title"/>
-          </p:nvPr>
-        </p:nvSpPr>
-        <p:spPr/>
-        <p:txBody>
-          <a:bodyPr/>
-          <a:lstStyle/>
-          <a:p/>
-        </p:txBody>
-      </p:sp>
-      <p:pic>
-        <p:nvPicPr>
           <p:cNvPr id="3" name="Picture 2" descr="04-07-2024.png"/>
           <p:cNvPicPr>
             <a:picLocks noChangeAspect="1"/>
@@ -3192,13 +3133,16 @@
       </p:pic>
     </p:spTree>
   </p:cSld>
+  <p:transition spd="slow" advance="after" advTm="5000">
+    <p:dissolve/>
+  </p:transition>
   <p:clrMapOvr>
     <a:masterClrMapping/>
   </p:clrMapOvr>
 </p:sld>
 </file>
 
-<file path=ppt/slides/slide3.xml><?xml version="1.0" encoding="utf-8"?>
+<file path=ppt/slides/slide2.xml><?xml version="1.0" encoding="utf-8"?>
 <p:sld xmlns:a="http://schemas.openxmlformats.org/drawingml/2006/main" xmlns:p="http://schemas.openxmlformats.org/presentationml/2006/main" xmlns:r="http://schemas.openxmlformats.org/officeDocument/2006/relationships">
   <p:cSld>
     <p:spTree>
@@ -3227,7 +3171,7 @@
       </p:sp>
       <p:pic>
         <p:nvPicPr>
-          <p:cNvPr id="3" name="Picture 2" descr="03-07-2024-fire.jpg"/>
+          <p:cNvPr id="3" name="Picture 2" descr="05-07-2024.png"/>
           <p:cNvPicPr>
             <a:picLocks noChangeAspect="1"/>
           </p:cNvPicPr>
@@ -3251,6 +3195,71 @@
       </p:pic>
     </p:spTree>
   </p:cSld>
+  <p:transition spd="slow" advance="after" advTm="5000">
+    <p:dissolve/>
+  </p:transition>
+  <p:clrMapOvr>
+    <a:masterClrMapping/>
+  </p:clrMapOvr>
+</p:sld>
+</file>
+
+<file path=ppt/slides/slide3.xml><?xml version="1.0" encoding="utf-8"?>
+<p:sld xmlns:a="http://schemas.openxmlformats.org/drawingml/2006/main" xmlns:p="http://schemas.openxmlformats.org/presentationml/2006/main" xmlns:r="http://schemas.openxmlformats.org/officeDocument/2006/relationships">
+  <p:cSld>
+    <p:spTree>
+      <p:nvGrpSpPr>
+        <p:cNvPr id="1" name=""/>
+        <p:cNvGrpSpPr/>
+        <p:nvPr/>
+      </p:nvGrpSpPr>
+      <p:grpSpPr/>
+      <p:sp>
+        <p:nvSpPr>
+          <p:cNvPr id="2" name="Title 1"/>
+          <p:cNvSpPr>
+            <a:spLocks noGrp="1"/>
+          </p:cNvSpPr>
+          <p:nvPr>
+            <p:ph type="title"/>
+          </p:nvPr>
+        </p:nvSpPr>
+        <p:spPr/>
+        <p:txBody>
+          <a:bodyPr/>
+          <a:lstStyle/>
+          <a:p/>
+        </p:txBody>
+      </p:sp>
+      <p:pic>
+        <p:nvPicPr>
+          <p:cNvPr id="3" name="Picture 2" descr="04-07-2024-fire.jpg"/>
+          <p:cNvPicPr>
+            <a:picLocks noChangeAspect="1"/>
+          </p:cNvPicPr>
+          <p:nvPr/>
+        </p:nvPicPr>
+        <p:blipFill>
+          <a:blip r:embed="rId2"/>
+          <a:stretch>
+            <a:fillRect/>
+          </a:stretch>
+        </p:blipFill>
+        <p:spPr>
+          <a:xfrm>
+            <a:off x="0" y="0"/>
+            <a:ext cx="9144000" cy="6858000"/>
+          </a:xfrm>
+          <a:prstGeom prst="rect">
+            <a:avLst/>
+          </a:prstGeom>
+        </p:spPr>
+      </p:pic>
+    </p:spTree>
+  </p:cSld>
+  <p:transition spd="slow" advance="after" advTm="5000">
+    <p:dissolve/>
+  </p:transition>
   <p:clrMapOvr>
     <a:masterClrMapping/>
   </p:clrMapOvr>

--- a/presentation.pptx
+++ b/presentation.pptx
@@ -3109,7 +3109,7 @@
       </p:sp>
       <p:pic>
         <p:nvPicPr>
-          <p:cNvPr id="3" name="Picture 2" descr="04-07-2024.png"/>
+          <p:cNvPr id="3" name="Picture 2" descr="05-07-2024.png"/>
           <p:cNvPicPr>
             <a:picLocks noChangeAspect="1"/>
           </p:cNvPicPr>
@@ -3171,7 +3171,7 @@
       </p:sp>
       <p:pic>
         <p:nvPicPr>
-          <p:cNvPr id="3" name="Picture 2" descr="05-07-2024.png"/>
+          <p:cNvPr id="3" name="Picture 2" descr="06-07-2024.png"/>
           <p:cNvPicPr>
             <a:picLocks noChangeAspect="1"/>
           </p:cNvPicPr>
@@ -3233,7 +3233,7 @@
       </p:sp>
       <p:pic>
         <p:nvPicPr>
-          <p:cNvPr id="3" name="Picture 2" descr="04-07-2024-fire.jpg"/>
+          <p:cNvPr id="3" name="Picture 2" descr="05-07-2024-fire.jpg"/>
           <p:cNvPicPr>
             <a:picLocks noChangeAspect="1"/>
           </p:cNvPicPr>

--- a/presentation.pptx
+++ b/presentation.pptx
@@ -8,6 +8,7 @@
     <p:sldId id="256" r:id="rId7"/>
     <p:sldId id="257" r:id="rId8"/>
     <p:sldId id="258" r:id="rId9"/>
+    <p:sldId id="259" r:id="rId10"/>
   </p:sldIdLst>
   <p:sldSz cx="9144000" cy="6858000" type="screen4x3"/>
   <p:notesSz cx="6858000" cy="9144000"/>
@@ -3133,12 +3134,12 @@
       </p:pic>
     </p:spTree>
   </p:cSld>
-  <p:transition spd="slow" advance="after" advTm="5000">
-    <p:dissolve/>
-  </p:transition>
   <p:clrMapOvr>
     <a:masterClrMapping/>
   </p:clrMapOvr>
+  <p:transition spd="slow" advance="after" advTm="1000">
+    <p:wipe/>
+  </p:transition>
 </p:sld>
 </file>
 
@@ -3195,12 +3196,12 @@
       </p:pic>
     </p:spTree>
   </p:cSld>
-  <p:transition spd="slow" advance="after" advTm="5000">
-    <p:dissolve/>
-  </p:transition>
   <p:clrMapOvr>
     <a:masterClrMapping/>
   </p:clrMapOvr>
+  <p:transition spd="slow" advance="after" advTm="1000">
+    <p:wipe/>
+  </p:transition>
 </p:sld>
 </file>
 
@@ -3257,12 +3258,74 @@
       </p:pic>
     </p:spTree>
   </p:cSld>
-  <p:transition spd="slow" advance="after" advTm="5000">
-    <p:dissolve/>
-  </p:transition>
   <p:clrMapOvr>
     <a:masterClrMapping/>
   </p:clrMapOvr>
+  <p:transition spd="slow" advance="after" advTm="1000">
+    <p:wipe/>
+  </p:transition>
+</p:sld>
+</file>
+
+<file path=ppt/slides/slide4.xml><?xml version="1.0" encoding="utf-8"?>
+<p:sld xmlns:a="http://schemas.openxmlformats.org/drawingml/2006/main" xmlns:p="http://schemas.openxmlformats.org/presentationml/2006/main" xmlns:r="http://schemas.openxmlformats.org/officeDocument/2006/relationships" show="0">
+  <p:cSld>
+    <p:spTree>
+      <p:nvGrpSpPr>
+        <p:cNvPr id="1" name=""/>
+        <p:cNvGrpSpPr/>
+        <p:nvPr/>
+      </p:nvGrpSpPr>
+      <p:grpSpPr/>
+      <p:sp>
+        <p:nvSpPr>
+          <p:cNvPr id="2" name="Title 1"/>
+          <p:cNvSpPr>
+            <a:spLocks noGrp="1"/>
+          </p:cNvSpPr>
+          <p:nvPr>
+            <p:ph type="title"/>
+          </p:nvPr>
+        </p:nvSpPr>
+        <p:spPr/>
+        <p:txBody>
+          <a:bodyPr/>
+          <a:lstStyle/>
+          <a:p/>
+        </p:txBody>
+      </p:sp>
+      <p:pic>
+        <p:nvPicPr>
+          <p:cNvPr id="3" name="Picture 2" descr="placeholder.png"/>
+          <p:cNvPicPr>
+            <a:picLocks noChangeAspect="1"/>
+          </p:cNvPicPr>
+          <p:nvPr/>
+        </p:nvPicPr>
+        <p:blipFill>
+          <a:blip r:embed="rId2"/>
+          <a:stretch>
+            <a:fillRect/>
+          </a:stretch>
+        </p:blipFill>
+        <p:spPr>
+          <a:xfrm>
+            <a:off x="0" y="0"/>
+            <a:ext cx="9144000" cy="6858000"/>
+          </a:xfrm>
+          <a:prstGeom prst="rect">
+            <a:avLst/>
+          </a:prstGeom>
+        </p:spPr>
+      </p:pic>
+    </p:spTree>
+  </p:cSld>
+  <p:clrMapOvr>
+    <a:masterClrMapping/>
+  </p:clrMapOvr>
+  <p:transition spd="slow" advance="after" advTm="1000">
+    <p:wipe/>
+  </p:transition>
 </p:sld>
 </file>
 

--- a/presentation.pptx
+++ b/presentation.pptx
@@ -3268,7 +3268,7 @@
 </file>
 
 <file path=ppt/slides/slide4.xml><?xml version="1.0" encoding="utf-8"?>
-<p:sld xmlns:a="http://schemas.openxmlformats.org/drawingml/2006/main" xmlns:p="http://schemas.openxmlformats.org/presentationml/2006/main" xmlns:r="http://schemas.openxmlformats.org/officeDocument/2006/relationships" show="0">
+<p:sld xmlns:a="http://schemas.openxmlformats.org/drawingml/2006/main" xmlns:p="http://schemas.openxmlformats.org/presentationml/2006/main" xmlns:r="http://schemas.openxmlformats.org/officeDocument/2006/relationships" hidden="1">
   <p:cSld>
     <p:spTree>
       <p:nvGrpSpPr>

--- a/presentation.pptx
+++ b/presentation.pptx
@@ -3268,7 +3268,7 @@
 </file>
 
 <file path=ppt/slides/slide4.xml><?xml version="1.0" encoding="utf-8"?>
-<p:sld xmlns:a="http://schemas.openxmlformats.org/drawingml/2006/main" xmlns:p="http://schemas.openxmlformats.org/presentationml/2006/main" xmlns:r="http://schemas.openxmlformats.org/officeDocument/2006/relationships" hidden="1">
+<p:sld xmlns:a="http://schemas.openxmlformats.org/drawingml/2006/main" xmlns:p="http://schemas.openxmlformats.org/presentationml/2006/main" xmlns:r="http://schemas.openxmlformats.org/officeDocument/2006/relationships" show="0">
   <p:cSld>
     <p:spTree>
       <p:nvGrpSpPr>

--- a/presentation.pptx
+++ b/presentation.pptx
@@ -5,10 +5,10 @@
     <p:sldMasterId id="2147483648" r:id="rId1"/>
   </p:sldMasterIdLst>
   <p:sldIdLst>
-    <p:sldId id="256" r:id="rId7"/>
-    <p:sldId id="257" r:id="rId8"/>
-    <p:sldId id="258" r:id="rId9"/>
-    <p:sldId id="259" r:id="rId10"/>
+    <p:sldId id="256" r:id="rId19"/>
+    <p:sldId id="257" r:id="rId20"/>
+    <p:sldId id="258" r:id="rId21"/>
+    <p:sldId id="259" r:id="rId22"/>
   </p:sldIdLst>
   <p:sldSz cx="9144000" cy="6858000" type="screen4x3"/>
   <p:notesSz cx="6858000" cy="9144000"/>
@@ -3110,7 +3110,69 @@
       </p:sp>
       <p:pic>
         <p:nvPicPr>
-          <p:cNvPr id="3" name="Picture 2" descr="05-07-2024.png"/>
+          <p:cNvPr id="3" name="Picture 2" descr="image.png"/>
+          <p:cNvPicPr>
+            <a:picLocks noChangeAspect="1"/>
+          </p:cNvPicPr>
+          <p:nvPr/>
+        </p:nvPicPr>
+        <p:blipFill>
+          <a:blip r:embed="rId2"/>
+          <a:stretch>
+            <a:fillRect/>
+          </a:stretch>
+        </p:blipFill>
+        <p:spPr>
+          <a:xfrm>
+            <a:off x="0" y="0"/>
+            <a:ext cx="9144000" cy="6858000"/>
+          </a:xfrm>
+          <a:prstGeom prst="rect">
+            <a:avLst/>
+          </a:prstGeom>
+        </p:spPr>
+      </p:pic>
+    </p:spTree>
+  </p:cSld>
+  <p:clrMapOvr>
+    <a:masterClrMapping/>
+  </p:clrMapOvr>
+  <p:transition spd="slow" advance="after" advTm="1000">
+    <p:wipe/>
+  </p:transition>
+</p:sld>
+</file>
+
+<file path=ppt/slides/slide1.xml><?xml version="1.0" encoding="utf-8"?>
+<p:sld xmlns:a="http://schemas.openxmlformats.org/drawingml/2006/main" xmlns:p="http://schemas.openxmlformats.org/presentationml/2006/main" xmlns:r="http://schemas.openxmlformats.org/officeDocument/2006/relationships">
+  <p:cSld>
+    <p:spTree>
+      <p:nvGrpSpPr>
+        <p:cNvPr id="1" name=""/>
+        <p:cNvGrpSpPr/>
+        <p:nvPr/>
+      </p:nvGrpSpPr>
+      <p:grpSpPr/>
+      <p:sp>
+        <p:nvSpPr>
+          <p:cNvPr id="2" name="Title 1"/>
+          <p:cNvSpPr>
+            <a:spLocks noGrp="1"/>
+          </p:cNvSpPr>
+          <p:nvPr>
+            <p:ph type="title"/>
+          </p:nvPr>
+        </p:nvSpPr>
+        <p:spPr/>
+        <p:txBody>
+          <a:bodyPr/>
+          <a:lstStyle/>
+          <a:p/>
+        </p:txBody>
+      </p:sp>
+      <p:pic>
+        <p:nvPicPr>
+          <p:cNvPr id="3" name="Picture 2" descr="image.png"/>
           <p:cNvPicPr>
             <a:picLocks noChangeAspect="1"/>
           </p:cNvPicPr>
@@ -3172,7 +3234,69 @@
       </p:sp>
       <p:pic>
         <p:nvPicPr>
-          <p:cNvPr id="3" name="Picture 2" descr="06-07-2024.png"/>
+          <p:cNvPr id="3" name="Picture 2" descr="image.png"/>
+          <p:cNvPicPr>
+            <a:picLocks noChangeAspect="1"/>
+          </p:cNvPicPr>
+          <p:nvPr/>
+        </p:nvPicPr>
+        <p:blipFill>
+          <a:blip r:embed="rId2"/>
+          <a:stretch>
+            <a:fillRect/>
+          </a:stretch>
+        </p:blipFill>
+        <p:spPr>
+          <a:xfrm>
+            <a:off x="0" y="0"/>
+            <a:ext cx="9144000" cy="6858000"/>
+          </a:xfrm>
+          <a:prstGeom prst="rect">
+            <a:avLst/>
+          </a:prstGeom>
+        </p:spPr>
+      </p:pic>
+    </p:spTree>
+  </p:cSld>
+  <p:clrMapOvr>
+    <a:masterClrMapping/>
+  </p:clrMapOvr>
+  <p:transition spd="slow" advance="after" advTm="1000">
+    <p:wipe/>
+  </p:transition>
+</p:sld>
+</file>
+
+<file path=ppt/slides/slide2.xml><?xml version="1.0" encoding="utf-8"?>
+<p:sld xmlns:a="http://schemas.openxmlformats.org/drawingml/2006/main" xmlns:p="http://schemas.openxmlformats.org/presentationml/2006/main" xmlns:r="http://schemas.openxmlformats.org/officeDocument/2006/relationships">
+  <p:cSld>
+    <p:spTree>
+      <p:nvGrpSpPr>
+        <p:cNvPr id="1" name=""/>
+        <p:cNvGrpSpPr/>
+        <p:nvPr/>
+      </p:nvGrpSpPr>
+      <p:grpSpPr/>
+      <p:sp>
+        <p:nvSpPr>
+          <p:cNvPr id="2" name="Title 1"/>
+          <p:cNvSpPr>
+            <a:spLocks noGrp="1"/>
+          </p:cNvSpPr>
+          <p:nvPr>
+            <p:ph type="title"/>
+          </p:nvPr>
+        </p:nvSpPr>
+        <p:spPr/>
+        <p:txBody>
+          <a:bodyPr/>
+          <a:lstStyle/>
+          <a:p/>
+        </p:txBody>
+      </p:sp>
+      <p:pic>
+        <p:nvPicPr>
+          <p:cNvPr id="3" name="Picture 2" descr="image.png"/>
           <p:cNvPicPr>
             <a:picLocks noChangeAspect="1"/>
           </p:cNvPicPr>
@@ -3234,7 +3358,69 @@
       </p:sp>
       <p:pic>
         <p:nvPicPr>
-          <p:cNvPr id="3" name="Picture 2" descr="05-07-2024-fire.jpg"/>
+          <p:cNvPr id="3" name="Picture 2" descr="image.jpg"/>
+          <p:cNvPicPr>
+            <a:picLocks noChangeAspect="1"/>
+          </p:cNvPicPr>
+          <p:nvPr/>
+        </p:nvPicPr>
+        <p:blipFill>
+          <a:blip r:embed="rId2"/>
+          <a:stretch>
+            <a:fillRect/>
+          </a:stretch>
+        </p:blipFill>
+        <p:spPr>
+          <a:xfrm>
+            <a:off x="0" y="0"/>
+            <a:ext cx="9144000" cy="6858000"/>
+          </a:xfrm>
+          <a:prstGeom prst="rect">
+            <a:avLst/>
+          </a:prstGeom>
+        </p:spPr>
+      </p:pic>
+    </p:spTree>
+  </p:cSld>
+  <p:clrMapOvr>
+    <a:masterClrMapping/>
+  </p:clrMapOvr>
+  <p:transition spd="slow" advance="after" advTm="1000">
+    <p:wipe/>
+  </p:transition>
+</p:sld>
+</file>
+
+<file path=ppt/slides/slide3.xml><?xml version="1.0" encoding="utf-8"?>
+<p:sld xmlns:a="http://schemas.openxmlformats.org/drawingml/2006/main" xmlns:p="http://schemas.openxmlformats.org/presentationml/2006/main" xmlns:r="http://schemas.openxmlformats.org/officeDocument/2006/relationships">
+  <p:cSld>
+    <p:spTree>
+      <p:nvGrpSpPr>
+        <p:cNvPr id="1" name=""/>
+        <p:cNvGrpSpPr/>
+        <p:nvPr/>
+      </p:nvGrpSpPr>
+      <p:grpSpPr/>
+      <p:sp>
+        <p:nvSpPr>
+          <p:cNvPr id="2" name="Title 1"/>
+          <p:cNvSpPr>
+            <a:spLocks noGrp="1"/>
+          </p:cNvSpPr>
+          <p:nvPr>
+            <p:ph type="title"/>
+          </p:nvPr>
+        </p:nvSpPr>
+        <p:spPr/>
+        <p:txBody>
+          <a:bodyPr/>
+          <a:lstStyle/>
+          <a:p/>
+        </p:txBody>
+      </p:sp>
+      <p:pic>
+        <p:nvPicPr>
+          <p:cNvPr id="3" name="Picture 2" descr="image.jpg"/>
           <p:cNvPicPr>
             <a:picLocks noChangeAspect="1"/>
           </p:cNvPicPr>
@@ -3296,7 +3482,317 @@
       </p:sp>
       <p:pic>
         <p:nvPicPr>
-          <p:cNvPr id="3" name="Picture 2" descr="placeholder.png"/>
+          <p:cNvPr id="3" name="Picture 2" descr="image.png"/>
+          <p:cNvPicPr>
+            <a:picLocks noChangeAspect="1"/>
+          </p:cNvPicPr>
+          <p:nvPr/>
+        </p:nvPicPr>
+        <p:blipFill>
+          <a:blip r:embed="rId2"/>
+          <a:stretch>
+            <a:fillRect/>
+          </a:stretch>
+        </p:blipFill>
+        <p:spPr>
+          <a:xfrm>
+            <a:off x="0" y="0"/>
+            <a:ext cx="9144000" cy="6858000"/>
+          </a:xfrm>
+          <a:prstGeom prst="rect">
+            <a:avLst/>
+          </a:prstGeom>
+        </p:spPr>
+      </p:pic>
+    </p:spTree>
+  </p:cSld>
+  <p:clrMapOvr>
+    <a:masterClrMapping/>
+  </p:clrMapOvr>
+  <p:transition spd="slow" advance="after" advTm="1000">
+    <p:wipe/>
+  </p:transition>
+</p:sld>
+</file>
+
+<file path=ppt/slides/slide4.xml><?xml version="1.0" encoding="utf-8"?>
+<p:sld xmlns:a="http://schemas.openxmlformats.org/drawingml/2006/main" xmlns:p="http://schemas.openxmlformats.org/presentationml/2006/main" xmlns:r="http://schemas.openxmlformats.org/officeDocument/2006/relationships" show="0">
+  <p:cSld>
+    <p:spTree>
+      <p:nvGrpSpPr>
+        <p:cNvPr id="1" name=""/>
+        <p:cNvGrpSpPr/>
+        <p:nvPr/>
+      </p:nvGrpSpPr>
+      <p:grpSpPr/>
+      <p:sp>
+        <p:nvSpPr>
+          <p:cNvPr id="2" name="Title 1"/>
+          <p:cNvSpPr>
+            <a:spLocks noGrp="1"/>
+          </p:cNvSpPr>
+          <p:nvPr>
+            <p:ph type="title"/>
+          </p:nvPr>
+        </p:nvSpPr>
+        <p:spPr/>
+        <p:txBody>
+          <a:bodyPr/>
+          <a:lstStyle/>
+          <a:p/>
+        </p:txBody>
+      </p:sp>
+      <p:pic>
+        <p:nvPicPr>
+          <p:cNvPr id="3" name="Picture 2" descr="image.png"/>
+          <p:cNvPicPr>
+            <a:picLocks noChangeAspect="1"/>
+          </p:cNvPicPr>
+          <p:nvPr/>
+        </p:nvPicPr>
+        <p:blipFill>
+          <a:blip r:embed="rId2"/>
+          <a:stretch>
+            <a:fillRect/>
+          </a:stretch>
+        </p:blipFill>
+        <p:spPr>
+          <a:xfrm>
+            <a:off x="0" y="0"/>
+            <a:ext cx="9144000" cy="6858000"/>
+          </a:xfrm>
+          <a:prstGeom prst="rect">
+            <a:avLst/>
+          </a:prstGeom>
+        </p:spPr>
+      </p:pic>
+    </p:spTree>
+  </p:cSld>
+  <p:clrMapOvr>
+    <a:masterClrMapping/>
+  </p:clrMapOvr>
+  <p:transition spd="slow" advance="after" advTm="1000">
+    <p:wipe/>
+  </p:transition>
+</p:sld>
+</file>
+
+<file path=ppt/slides/slide5.xml><?xml version="1.0" encoding="utf-8"?>
+<p:sld xmlns:a="http://schemas.openxmlformats.org/drawingml/2006/main" xmlns:p="http://schemas.openxmlformats.org/presentationml/2006/main" xmlns:r="http://schemas.openxmlformats.org/officeDocument/2006/relationships">
+  <p:cSld>
+    <p:spTree>
+      <p:nvGrpSpPr>
+        <p:cNvPr id="1" name=""/>
+        <p:cNvGrpSpPr/>
+        <p:nvPr/>
+      </p:nvGrpSpPr>
+      <p:grpSpPr/>
+      <p:sp>
+        <p:nvSpPr>
+          <p:cNvPr id="2" name="Title 1"/>
+          <p:cNvSpPr>
+            <a:spLocks noGrp="1"/>
+          </p:cNvSpPr>
+          <p:nvPr>
+            <p:ph type="title"/>
+          </p:nvPr>
+        </p:nvSpPr>
+        <p:spPr/>
+        <p:txBody>
+          <a:bodyPr/>
+          <a:lstStyle/>
+          <a:p/>
+        </p:txBody>
+      </p:sp>
+      <p:pic>
+        <p:nvPicPr>
+          <p:cNvPr id="3" name="Picture 2" descr="image.png"/>
+          <p:cNvPicPr>
+            <a:picLocks noChangeAspect="1"/>
+          </p:cNvPicPr>
+          <p:nvPr/>
+        </p:nvPicPr>
+        <p:blipFill>
+          <a:blip r:embed="rId2"/>
+          <a:stretch>
+            <a:fillRect/>
+          </a:stretch>
+        </p:blipFill>
+        <p:spPr>
+          <a:xfrm>
+            <a:off x="0" y="0"/>
+            <a:ext cx="9144000" cy="6858000"/>
+          </a:xfrm>
+          <a:prstGeom prst="rect">
+            <a:avLst/>
+          </a:prstGeom>
+        </p:spPr>
+      </p:pic>
+    </p:spTree>
+  </p:cSld>
+  <p:clrMapOvr>
+    <a:masterClrMapping/>
+  </p:clrMapOvr>
+  <p:transition spd="slow" advance="after" advTm="1000">
+    <p:wipe/>
+  </p:transition>
+</p:sld>
+</file>
+
+<file path=ppt/slides/slide6.xml><?xml version="1.0" encoding="utf-8"?>
+<p:sld xmlns:a="http://schemas.openxmlformats.org/drawingml/2006/main" xmlns:p="http://schemas.openxmlformats.org/presentationml/2006/main" xmlns:r="http://schemas.openxmlformats.org/officeDocument/2006/relationships">
+  <p:cSld>
+    <p:spTree>
+      <p:nvGrpSpPr>
+        <p:cNvPr id="1" name=""/>
+        <p:cNvGrpSpPr/>
+        <p:nvPr/>
+      </p:nvGrpSpPr>
+      <p:grpSpPr/>
+      <p:sp>
+        <p:nvSpPr>
+          <p:cNvPr id="2" name="Title 1"/>
+          <p:cNvSpPr>
+            <a:spLocks noGrp="1"/>
+          </p:cNvSpPr>
+          <p:nvPr>
+            <p:ph type="title"/>
+          </p:nvPr>
+        </p:nvSpPr>
+        <p:spPr/>
+        <p:txBody>
+          <a:bodyPr/>
+          <a:lstStyle/>
+          <a:p/>
+        </p:txBody>
+      </p:sp>
+      <p:pic>
+        <p:nvPicPr>
+          <p:cNvPr id="3" name="Picture 2" descr="image.png"/>
+          <p:cNvPicPr>
+            <a:picLocks noChangeAspect="1"/>
+          </p:cNvPicPr>
+          <p:nvPr/>
+        </p:nvPicPr>
+        <p:blipFill>
+          <a:blip r:embed="rId2"/>
+          <a:stretch>
+            <a:fillRect/>
+          </a:stretch>
+        </p:blipFill>
+        <p:spPr>
+          <a:xfrm>
+            <a:off x="0" y="0"/>
+            <a:ext cx="9144000" cy="6858000"/>
+          </a:xfrm>
+          <a:prstGeom prst="rect">
+            <a:avLst/>
+          </a:prstGeom>
+        </p:spPr>
+      </p:pic>
+    </p:spTree>
+  </p:cSld>
+  <p:clrMapOvr>
+    <a:masterClrMapping/>
+  </p:clrMapOvr>
+  <p:transition spd="slow" advance="after" advTm="1000">
+    <p:wipe/>
+  </p:transition>
+</p:sld>
+</file>
+
+<file path=ppt/slides/slide7.xml><?xml version="1.0" encoding="utf-8"?>
+<p:sld xmlns:a="http://schemas.openxmlformats.org/drawingml/2006/main" xmlns:p="http://schemas.openxmlformats.org/presentationml/2006/main" xmlns:r="http://schemas.openxmlformats.org/officeDocument/2006/relationships">
+  <p:cSld>
+    <p:spTree>
+      <p:nvGrpSpPr>
+        <p:cNvPr id="1" name=""/>
+        <p:cNvGrpSpPr/>
+        <p:nvPr/>
+      </p:nvGrpSpPr>
+      <p:grpSpPr/>
+      <p:sp>
+        <p:nvSpPr>
+          <p:cNvPr id="2" name="Title 1"/>
+          <p:cNvSpPr>
+            <a:spLocks noGrp="1"/>
+          </p:cNvSpPr>
+          <p:nvPr>
+            <p:ph type="title"/>
+          </p:nvPr>
+        </p:nvSpPr>
+        <p:spPr/>
+        <p:txBody>
+          <a:bodyPr/>
+          <a:lstStyle/>
+          <a:p/>
+        </p:txBody>
+      </p:sp>
+      <p:pic>
+        <p:nvPicPr>
+          <p:cNvPr id="3" name="Picture 2" descr="image.jpg"/>
+          <p:cNvPicPr>
+            <a:picLocks noChangeAspect="1"/>
+          </p:cNvPicPr>
+          <p:nvPr/>
+        </p:nvPicPr>
+        <p:blipFill>
+          <a:blip r:embed="rId2"/>
+          <a:stretch>
+            <a:fillRect/>
+          </a:stretch>
+        </p:blipFill>
+        <p:spPr>
+          <a:xfrm>
+            <a:off x="0" y="0"/>
+            <a:ext cx="9144000" cy="6858000"/>
+          </a:xfrm>
+          <a:prstGeom prst="rect">
+            <a:avLst/>
+          </a:prstGeom>
+        </p:spPr>
+      </p:pic>
+    </p:spTree>
+  </p:cSld>
+  <p:clrMapOvr>
+    <a:masterClrMapping/>
+  </p:clrMapOvr>
+  <p:transition spd="slow" advance="after" advTm="1000">
+    <p:wipe/>
+  </p:transition>
+</p:sld>
+</file>
+
+<file path=ppt/slides/slide8.xml><?xml version="1.0" encoding="utf-8"?>
+<p:sld xmlns:a="http://schemas.openxmlformats.org/drawingml/2006/main" xmlns:p="http://schemas.openxmlformats.org/presentationml/2006/main" xmlns:r="http://schemas.openxmlformats.org/officeDocument/2006/relationships" show="0">
+  <p:cSld>
+    <p:spTree>
+      <p:nvGrpSpPr>
+        <p:cNvPr id="1" name=""/>
+        <p:cNvGrpSpPr/>
+        <p:nvPr/>
+      </p:nvGrpSpPr>
+      <p:grpSpPr/>
+      <p:sp>
+        <p:nvSpPr>
+          <p:cNvPr id="2" name="Title 1"/>
+          <p:cNvSpPr>
+            <a:spLocks noGrp="1"/>
+          </p:cNvSpPr>
+          <p:nvPr>
+            <p:ph type="title"/>
+          </p:nvPr>
+        </p:nvSpPr>
+        <p:spPr/>
+        <p:txBody>
+          <a:bodyPr/>
+          <a:lstStyle/>
+          <a:p/>
+        </p:txBody>
+      </p:sp>
+      <p:pic>
+        <p:nvPicPr>
+          <p:cNvPr id="3" name="Picture 2" descr="image.png"/>
           <p:cNvPicPr>
             <a:picLocks noChangeAspect="1"/>
           </p:cNvPicPr>

--- a/presentation.pptx
+++ b/presentation.pptx
@@ -5,10 +5,10 @@
     <p:sldMasterId id="2147483648" r:id="rId1"/>
   </p:sldMasterIdLst>
   <p:sldIdLst>
-    <p:sldId id="256" r:id="rId19"/>
-    <p:sldId id="257" r:id="rId20"/>
-    <p:sldId id="258" r:id="rId21"/>
-    <p:sldId id="259" r:id="rId22"/>
+    <p:sldId id="256" r:id="rId31"/>
+    <p:sldId id="257" r:id="rId32"/>
+    <p:sldId id="258" r:id="rId33"/>
+    <p:sldId id="259" r:id="rId34"/>
   </p:sldIdLst>
   <p:sldSz cx="9144000" cy="6858000" type="screen4x3"/>
   <p:notesSz cx="6858000" cy="9144000"/>

--- a/presentation.pptx
+++ b/presentation.pptx
@@ -3234,7 +3234,7 @@
       </p:sp>
       <p:pic>
         <p:nvPicPr>
-          <p:cNvPr id="3" name="Picture 2" descr="15-07-2024-fire.jpg"/>
+          <p:cNvPr id="3" name="Picture 2" descr="16-07-2024-fire.jpg"/>
           <p:cNvPicPr>
             <a:picLocks noChangeAspect="1"/>
           </p:cNvPicPr>

--- a/presentation.pptx
+++ b/presentation.pptx
@@ -3110,7 +3110,7 @@
       </p:sp>
       <p:pic>
         <p:nvPicPr>
-          <p:cNvPr id="3" name="Picture 2" descr="16-07-2024.png"/>
+          <p:cNvPr id="3" name="Picture 2" descr="02-08-2024.png"/>
           <p:cNvPicPr>
             <a:picLocks noChangeAspect="1"/>
           </p:cNvPicPr>
@@ -3172,7 +3172,7 @@
       </p:sp>
       <p:pic>
         <p:nvPicPr>
-          <p:cNvPr id="3" name="Picture 2" descr="17-07-2024.png"/>
+          <p:cNvPr id="3" name="Picture 2" descr="03-08-2024.png"/>
           <p:cNvPicPr>
             <a:picLocks noChangeAspect="1"/>
           </p:cNvPicPr>
@@ -3234,7 +3234,7 @@
       </p:sp>
       <p:pic>
         <p:nvPicPr>
-          <p:cNvPr id="3" name="Picture 2" descr="16-07-2024-fire.jpg"/>
+          <p:cNvPr id="3" name="Picture 2" descr="02-08-2024-fire.jpg"/>
           <p:cNvPicPr>
             <a:picLocks noChangeAspect="1"/>
           </p:cNvPicPr>
